--- a/src/data/pptx_files/TechSolutions.pptx
+++ b/src/data/pptx_files/TechSolutions.pptx
@@ -1470,7 +1470,7 @@
           <a:p>
             <a:fld id="{0DC994AA-C437-4EF4-8BEF-0B832D7FA420}" type="datetimeFigureOut">
               <a:rPr lang="en-US" smtClean="0"/>
-              <a:t>6/6/2024</a:t>
+              <a:t>6/14/2024</a:t>
             </a:fld>
             <a:endParaRPr lang="en-US"/>
           </a:p>
@@ -1606,7 +1606,7 @@
           <a:p>
             <a:fld id="{38B16356-3B28-4AAF-8099-7941810E2475}" type="datetimeFigureOut">
               <a:rPr lang="en-US" smtClean="0"/>
-              <a:t>6/6/2024</a:t>
+              <a:t>6/14/2024</a:t>
             </a:fld>
             <a:endParaRPr lang="en-US"/>
           </a:p>
@@ -3121,7 +3121,7 @@
           <a:p>
             <a:fld id="{D6D8061D-18C3-4F4F-85EF-561633F58754}" type="datetimeFigureOut">
               <a:rPr lang="en-US" smtClean="0"/>
-              <a:t>6/6/2024</a:t>
+              <a:t>6/14/2024</a:t>
             </a:fld>
             <a:endParaRPr lang="en-US"/>
           </a:p>
@@ -3319,7 +3319,7 @@
           <a:p>
             <a:fld id="{D6D8061D-18C3-4F4F-85EF-561633F58754}" type="datetimeFigureOut">
               <a:rPr lang="en-US" smtClean="0"/>
-              <a:t>6/6/2024</a:t>
+              <a:t>6/14/2024</a:t>
             </a:fld>
             <a:endParaRPr lang="en-US"/>
           </a:p>
@@ -3527,7 +3527,7 @@
           <a:p>
             <a:fld id="{D6D8061D-18C3-4F4F-85EF-561633F58754}" type="datetimeFigureOut">
               <a:rPr lang="en-US" smtClean="0"/>
-              <a:t>6/6/2024</a:t>
+              <a:t>6/14/2024</a:t>
             </a:fld>
             <a:endParaRPr lang="en-US"/>
           </a:p>
@@ -4378,7 +4378,7 @@
           <a:p>
             <a:fld id="{D6D8061D-18C3-4F4F-85EF-561633F58754}" type="datetimeFigureOut">
               <a:rPr lang="en-US" smtClean="0"/>
-              <a:t>6/6/2024</a:t>
+              <a:t>6/14/2024</a:t>
             </a:fld>
             <a:endParaRPr lang="en-US"/>
           </a:p>
@@ -6105,7 +6105,7 @@
           <a:p>
             <a:fld id="{D6D8061D-18C3-4F4F-85EF-561633F58754}" type="datetimeFigureOut">
               <a:rPr lang="en-US" smtClean="0"/>
-              <a:t>6/6/2024</a:t>
+              <a:t>6/14/2024</a:t>
             </a:fld>
             <a:endParaRPr lang="en-US"/>
           </a:p>
@@ -6819,7 +6819,7 @@
           <a:p>
             <a:fld id="{D6D8061D-18C3-4F4F-85EF-561633F58754}" type="datetimeFigureOut">
               <a:rPr lang="en-US" smtClean="0"/>
-              <a:t>6/6/2024</a:t>
+              <a:t>6/14/2024</a:t>
             </a:fld>
             <a:endParaRPr lang="en-US"/>
           </a:p>
@@ -7268,7 +7268,7 @@
           <a:p>
             <a:fld id="{D6D8061D-18C3-4F4F-85EF-561633F58754}" type="datetimeFigureOut">
               <a:rPr lang="en-US" smtClean="0"/>
-              <a:t>6/6/2024</a:t>
+              <a:t>6/14/2024</a:t>
             </a:fld>
             <a:endParaRPr lang="en-US"/>
           </a:p>
@@ -7499,7 +7499,7 @@
           <a:p>
             <a:fld id="{D6D8061D-18C3-4F4F-85EF-561633F58754}" type="datetimeFigureOut">
               <a:rPr lang="en-US" smtClean="0"/>
-              <a:t>6/6/2024</a:t>
+              <a:t>6/14/2024</a:t>
             </a:fld>
             <a:endParaRPr lang="en-US"/>
           </a:p>
@@ -8139,7 +8139,7 @@
           <a:p>
             <a:fld id="{D6D8061D-18C3-4F4F-85EF-561633F58754}" type="datetimeFigureOut">
               <a:rPr lang="en-US" smtClean="0"/>
-              <a:t>6/6/2024</a:t>
+              <a:t>6/14/2024</a:t>
             </a:fld>
             <a:endParaRPr lang="en-US"/>
           </a:p>
@@ -9089,7 +9089,7 @@
           <a:p>
             <a:fld id="{D6D8061D-18C3-4F4F-85EF-561633F58754}" type="datetimeFigureOut">
               <a:rPr lang="en-US" smtClean="0"/>
-              <a:t>6/6/2024</a:t>
+              <a:t>6/14/2024</a:t>
             </a:fld>
             <a:endParaRPr lang="en-US"/>
           </a:p>
@@ -9355,7 +9355,7 @@
           <a:p>
             <a:fld id="{D6D8061D-18C3-4F4F-85EF-561633F58754}" type="datetimeFigureOut">
               <a:rPr lang="en-US" smtClean="0"/>
-              <a:t>6/6/2024</a:t>
+              <a:t>6/14/2024</a:t>
             </a:fld>
             <a:endParaRPr lang="en-US"/>
           </a:p>
@@ -9772,7 +9772,7 @@
           <a:p>
             <a:fld id="{D6D8061D-18C3-4F4F-85EF-561633F58754}" type="datetimeFigureOut">
               <a:rPr lang="en-US" smtClean="0"/>
-              <a:t>6/6/2024</a:t>
+              <a:t>6/14/2024</a:t>
             </a:fld>
             <a:endParaRPr lang="en-US"/>
           </a:p>
@@ -9913,7 +9913,7 @@
           <a:p>
             <a:fld id="{D6D8061D-18C3-4F4F-85EF-561633F58754}" type="datetimeFigureOut">
               <a:rPr lang="en-US" smtClean="0"/>
-              <a:t>6/6/2024</a:t>
+              <a:t>6/14/2024</a:t>
             </a:fld>
             <a:endParaRPr lang="en-US"/>
           </a:p>
@@ -10026,7 +10026,7 @@
           <a:p>
             <a:fld id="{D6D8061D-18C3-4F4F-85EF-561633F58754}" type="datetimeFigureOut">
               <a:rPr lang="en-US" smtClean="0"/>
-              <a:t>6/6/2024</a:t>
+              <a:t>6/14/2024</a:t>
             </a:fld>
             <a:endParaRPr lang="en-US"/>
           </a:p>
@@ -10337,7 +10337,7 @@
           <a:p>
             <a:fld id="{D6D8061D-18C3-4F4F-85EF-561633F58754}" type="datetimeFigureOut">
               <a:rPr lang="en-US" smtClean="0"/>
-              <a:t>6/6/2024</a:t>
+              <a:t>6/14/2024</a:t>
             </a:fld>
             <a:endParaRPr lang="en-US"/>
           </a:p>
@@ -10628,7 +10628,7 @@
           <a:p>
             <a:fld id="{D6D8061D-18C3-4F4F-85EF-561633F58754}" type="datetimeFigureOut">
               <a:rPr lang="en-US" smtClean="0"/>
-              <a:t>6/6/2024</a:t>
+              <a:t>6/14/2024</a:t>
             </a:fld>
             <a:endParaRPr lang="en-US"/>
           </a:p>
@@ -11187,7 +11187,7 @@
           <a:p>
             <a:fld id="{D6D8061D-18C3-4F4F-85EF-561633F58754}" type="datetimeFigureOut">
               <a:rPr lang="en-US" smtClean="0"/>
-              <a:t>6/6/2024</a:t>
+              <a:t>6/14/2024</a:t>
             </a:fld>
             <a:endParaRPr lang="en-US"/>
           </a:p>
@@ -17160,6 +17160,15 @@
 </file>
 
 <file path=customXml/item1.xml><?xml version="1.0" encoding="utf-8"?>
+<?mso-contentType ?>
+<FormTemplates xmlns="http://schemas.microsoft.com/sharepoint/v3/contenttype/forms">
+  <Display>DocumentLibraryForm</Display>
+  <Edit>DocumentLibraryForm</Edit>
+  <New>DocumentLibraryForm</New>
+</FormTemplates>
+</file>
+
+<file path=customXml/item2.xml><?xml version="1.0" encoding="utf-8"?>
 <p:properties xmlns:p="http://schemas.microsoft.com/office/2006/metadata/properties" xmlns:xsi="http://www.w3.org/2001/XMLSchema-instance" xmlns:pc="http://schemas.microsoft.com/office/infopath/2007/PartnerControls">
   <documentManagement>
     <_ip_UnifiedCompliancePolicyUIAction xmlns="http://schemas.microsoft.com/sharepoint/v3" xsi:nil="true"/>
@@ -17177,15 +17186,6 @@
     <MediaServiceKeyPoints xmlns="71af3243-3dd4-4a8d-8c0d-dd76da1f02a5" xsi:nil="true"/>
   </documentManagement>
 </p:properties>
-</file>
-
-<file path=customXml/item2.xml><?xml version="1.0" encoding="utf-8"?>
-<?mso-contentType ?>
-<FormTemplates xmlns="http://schemas.microsoft.com/sharepoint/v3/contenttype/forms">
-  <Display>DocumentLibraryForm</Display>
-  <Edit>DocumentLibraryForm</Edit>
-  <New>DocumentLibraryForm</New>
-</FormTemplates>
 </file>
 
 <file path=customXml/item3.xml><?xml version="1.0" encoding="utf-8"?>
@@ -17501,6 +17501,14 @@
 </file>
 
 <file path=customXml/itemProps1.xml><?xml version="1.0" encoding="utf-8"?>
+<ds:datastoreItem xmlns:ds="http://schemas.openxmlformats.org/officeDocument/2006/customXml" ds:itemID="{30E62E91-3991-445A-ADE0-DB143B39320F}">
+  <ds:schemaRefs>
+    <ds:schemaRef ds:uri="http://schemas.microsoft.com/sharepoint/v3/contenttype/forms"/>
+  </ds:schemaRefs>
+</ds:datastoreItem>
+</file>
+
+<file path=customXml/itemProps2.xml><?xml version="1.0" encoding="utf-8"?>
 <ds:datastoreItem xmlns:ds="http://schemas.openxmlformats.org/officeDocument/2006/customXml" ds:itemID="{3C20BE78-9FDF-401B-B412-3AA10EC5BEA3}">
   <ds:schemaRefs>
     <ds:schemaRef ds:uri="http://www.w3.org/XML/1998/namespace"/>
@@ -17515,14 +17523,6 @@
     <ds:schemaRef ds:uri="16c05727-aa75-4e4a-9b5f-8a80a1165891"/>
     <ds:schemaRef ds:uri="http://schemas.microsoft.com/sharepoint/v3"/>
     <ds:schemaRef ds:uri="http://schemas.microsoft.com/office/2006/metadata/properties"/>
-  </ds:schemaRefs>
-</ds:datastoreItem>
-</file>
-
-<file path=customXml/itemProps2.xml><?xml version="1.0" encoding="utf-8"?>
-<ds:datastoreItem xmlns:ds="http://schemas.openxmlformats.org/officeDocument/2006/customXml" ds:itemID="{30E62E91-3991-445A-ADE0-DB143B39320F}">
-  <ds:schemaRefs>
-    <ds:schemaRef ds:uri="http://schemas.microsoft.com/sharepoint/v3/contenttype/forms"/>
   </ds:schemaRefs>
 </ds:datastoreItem>
 </file>
